--- a/about/assets/late-cut microservices.pptx
+++ b/about/assets/late-cut microservices.pptx
@@ -4346,7 +4346,7 @@
         </p:nvSpPr>
         <p:spPr bwMode="gray">
           <a:xfrm>
-            <a:off x="1254641" y="3733349"/>
+            <a:off x="1271966" y="4051773"/>
             <a:ext cx="1823743" cy="1452796"/>
           </a:xfrm>
           <a:custGeom>
@@ -4570,7 +4570,7 @@
         </p:nvSpPr>
         <p:spPr bwMode="gray">
           <a:xfrm>
-            <a:off x="3310493" y="3733349"/>
+            <a:off x="3327818" y="4051773"/>
             <a:ext cx="1906292" cy="1453854"/>
           </a:xfrm>
           <a:custGeom>
@@ -4798,7 +4798,7 @@
         </p:nvCxnSpPr>
         <p:spPr>
           <a:xfrm flipV="1">
-            <a:off x="2796430" y="4541541"/>
+            <a:off x="2813755" y="4859965"/>
             <a:ext cx="865230" cy="3841"/>
           </a:xfrm>
           <a:prstGeom prst="straightConnector1">
@@ -4833,7 +4833,7 @@
         </p:nvGrpSpPr>
         <p:grpSpPr>
           <a:xfrm>
-            <a:off x="1534804" y="4141181"/>
+            <a:off x="1552129" y="4459605"/>
             <a:ext cx="1261626" cy="808402"/>
             <a:chOff x="6455043" y="4331776"/>
             <a:chExt cx="3162675" cy="1689316"/>
@@ -5100,7 +5100,7 @@
         </p:nvGrpSpPr>
         <p:grpSpPr>
           <a:xfrm>
-            <a:off x="3661660" y="4137340"/>
+            <a:off x="3678985" y="4455764"/>
             <a:ext cx="1261626" cy="808402"/>
             <a:chOff x="6455043" y="4331776"/>
             <a:chExt cx="3162675" cy="1689316"/>
@@ -5682,7 +5682,7 @@
         </p:nvSpPr>
         <p:spPr>
           <a:xfrm>
-            <a:off x="1254641" y="5273671"/>
+            <a:off x="1271966" y="5592095"/>
             <a:ext cx="1115562" cy="276999"/>
           </a:xfrm>
           <a:prstGeom prst="rect">
